--- a/présentation/oral.pptx
+++ b/présentation/oral.pptx
@@ -1,6 +1,6 @@
 
 <file path=ppt/presentation.xml><?xml version="1.0" encoding="utf-8"?>
-<p:presentation xmlns:a="http://schemas.openxmlformats.org/drawingml/2006/main" xmlns:r="http://schemas.openxmlformats.org/officeDocument/2006/relationships" xmlns:p="http://schemas.openxmlformats.org/presentationml/2006/main" removePersonalInfoOnSave="1" saveSubsetFonts="1">
+<p:presentation xmlns:a="http://schemas.openxmlformats.org/drawingml/2006/main" xmlns:r="http://schemas.openxmlformats.org/officeDocument/2006/relationships" xmlns:p="http://schemas.openxmlformats.org/presentationml/2006/main" showSpecialPlsOnTitleSld="0" removePersonalInfoOnSave="1" saveSubsetFonts="1">
   <p:sldMasterIdLst>
     <p:sldMasterId id="2147483648" r:id="rId4"/>
   </p:sldMasterIdLst>
@@ -10311,7 +10311,7 @@
             <a:pPr algn="r" rtl="0"/>
             <a:fld id="{85FB9A08-40BC-47B5-8130-616BDCF09507}" type="datetime1">
               <a:rPr lang="fr-FR" smtClean="0"/>
-              <a:t>09/03/2019</a:t>
+              <a:t>13/03/2019</a:t>
             </a:fld>
             <a:endParaRPr lang="fr-FR" dirty="0"/>
           </a:p>
@@ -10481,7 +10481,7 @@
             <a:fld id="{082B9BC8-1895-4EB7-B2E1-D3911C69AD0C}" type="datetime1">
               <a:rPr lang="fr-FR" smtClean="0"/>
               <a:pPr/>
-              <a:t>09/03/2019</a:t>
+              <a:t>13/03/2019</a:t>
             </a:fld>
             <a:endParaRPr lang="fr-FR" dirty="0"/>
           </a:p>
@@ -11206,10 +11206,9 @@
             </a:lvl1pPr>
           </a:lstStyle>
           <a:p>
-            <a:fld id="{B0AE1499-D871-4B5A-815F-37F8E0C46F8C}" type="datetime1">
+            <a:fld id="{B7197462-AA12-4275-ABF4-4C031278933F}" type="datetime1">
               <a:rPr lang="fr-FR" smtClean="0"/>
-              <a:pPr/>
-              <a:t>09/03/2019</a:t>
+              <a:t>13/03/2019</a:t>
             </a:fld>
             <a:endParaRPr lang="fr-FR" dirty="0"/>
           </a:p>
@@ -11398,10 +11397,9 @@
             </a:lvl1pPr>
           </a:lstStyle>
           <a:p>
-            <a:fld id="{7CFD53AE-A1A9-4971-B817-D6F393C7FE35}" type="datetime1">
+            <a:fld id="{E83C20B3-4405-47F0-8BB4-A7F6AD47034A}" type="datetime1">
               <a:rPr lang="fr-FR" smtClean="0"/>
-              <a:pPr/>
-              <a:t>09/03/2019</a:t>
+              <a:t>13/03/2019</a:t>
             </a:fld>
             <a:endParaRPr lang="fr-FR" dirty="0"/>
           </a:p>
@@ -11584,10 +11582,9 @@
             </a:lvl1pPr>
           </a:lstStyle>
           <a:p>
-            <a:fld id="{B4EA85BC-BD2B-458E-8340-8D31B4F152AE}" type="datetime1">
+            <a:fld id="{900E2655-93EA-42BB-9AAE-229AC6CEC5D7}" type="datetime1">
               <a:rPr lang="fr-FR" smtClean="0"/>
-              <a:pPr/>
-              <a:t>09/03/2019</a:t>
+              <a:t>13/03/2019</a:t>
             </a:fld>
             <a:endParaRPr lang="fr-FR" dirty="0"/>
           </a:p>
@@ -12032,10 +12029,9 @@
             </a:lvl1pPr>
           </a:lstStyle>
           <a:p>
-            <a:fld id="{2C9DB741-A3C2-4C75-A4D1-97F129BE9491}" type="datetime1">
+            <a:fld id="{2AF65A0D-4559-4E32-BD51-F592D1392074}" type="datetime1">
               <a:rPr lang="fr-FR" smtClean="0"/>
-              <a:pPr/>
-              <a:t>09/03/2019</a:t>
+              <a:t>13/03/2019</a:t>
             </a:fld>
             <a:endParaRPr lang="fr-FR" dirty="0"/>
           </a:p>
@@ -12484,10 +12480,9 @@
             </a:lvl1pPr>
           </a:lstStyle>
           <a:p>
-            <a:fld id="{11B59C61-65A8-4FB6-8060-9ACE25B631CB}" type="datetime1">
+            <a:fld id="{1D514820-7AC0-4F7E-8AA4-5ABF537CD119}" type="datetime1">
               <a:rPr lang="fr-FR" noProof="0" smtClean="0"/>
-              <a:pPr/>
-              <a:t>09/03/2019</a:t>
+              <a:t>13/03/2019</a:t>
             </a:fld>
             <a:endParaRPr lang="fr-FR" noProof="0" dirty="0"/>
           </a:p>
@@ -12614,10 +12609,9 @@
             </a:lvl1pPr>
           </a:lstStyle>
           <a:p>
-            <a:fld id="{B19C7B91-9FE1-44A2-8FAA-E998ADCC26EE}" type="datetime1">
+            <a:fld id="{B30C5829-5A2B-41DE-971B-F3A582E5E962}" type="datetime1">
               <a:rPr lang="fr-FR" smtClean="0"/>
-              <a:pPr/>
-              <a:t>09/03/2019</a:t>
+              <a:t>13/03/2019</a:t>
             </a:fld>
             <a:endParaRPr lang="fr-FR" dirty="0"/>
           </a:p>
@@ -12720,10 +12714,9 @@
             </a:lvl1pPr>
           </a:lstStyle>
           <a:p>
-            <a:fld id="{24294901-3B67-4101-8D94-E7F6C7A7004D}" type="datetime1">
+            <a:fld id="{4325FEAB-6368-4FC9-9D67-4FAA208D41C9}" type="datetime1">
               <a:rPr lang="fr-FR" smtClean="0"/>
-              <a:pPr/>
-              <a:t>09/03/2019</a:t>
+              <a:t>13/03/2019</a:t>
             </a:fld>
             <a:endParaRPr lang="fr-FR" dirty="0"/>
           </a:p>
@@ -13016,10 +13009,9 @@
             </a:lvl1pPr>
           </a:lstStyle>
           <a:p>
-            <a:fld id="{36311718-BEC8-4DB8-9B0A-52986EABC5C9}" type="datetime1">
+            <a:fld id="{F6985DA5-141A-4862-B1F9-0900EE13703A}" type="datetime1">
               <a:rPr lang="fr-FR" smtClean="0"/>
-              <a:pPr/>
-              <a:t>09/03/2019</a:t>
+              <a:t>13/03/2019</a:t>
             </a:fld>
             <a:endParaRPr lang="fr-FR" dirty="0"/>
           </a:p>
@@ -13342,10 +13334,9 @@
             </a:lvl1pPr>
           </a:lstStyle>
           <a:p>
-            <a:fld id="{E883871E-5D80-4EDF-9E01-94E184402302}" type="datetime1">
+            <a:fld id="{F826C0DE-35FC-49D3-8147-F3D7CE295BC4}" type="datetime1">
               <a:rPr lang="fr-FR" smtClean="0"/>
-              <a:pPr/>
-              <a:t>09/03/2019</a:t>
+              <a:t>13/03/2019</a:t>
             </a:fld>
             <a:endParaRPr lang="fr-FR" dirty="0"/>
           </a:p>
@@ -13561,10 +13552,9 @@
             </a:lvl1pPr>
           </a:lstStyle>
           <a:p>
-            <a:fld id="{A9F01D7A-F2CA-4D89-BC48-D8C829AA64E1}" type="datetime1">
+            <a:fld id="{7ABC2C17-7324-46A4-B3EF-07BE4E483C57}" type="datetime1">
               <a:rPr lang="fr-FR" smtClean="0"/>
-              <a:pPr/>
-              <a:t>09/03/2019</a:t>
+              <a:t>13/03/2019</a:t>
             </a:fld>
             <a:endParaRPr lang="fr-FR" dirty="0"/>
           </a:p>
@@ -13672,6 +13662,7 @@
     <p:sldLayoutId id="2147483658" r:id="rId10"/>
     <p:sldLayoutId id="2147483659" r:id="rId11"/>
   </p:sldLayoutIdLst>
+  <p:hf hdr="0" ftr="0" dt="0"/>
   <p:txStyles>
     <p:titleStyle>
       <a:lvl1pPr algn="l" defTabSz="914400" rtl="0" eaLnBrk="1" latinLnBrk="0" hangingPunct="1">
@@ -14066,7 +14057,14 @@
             <a:pPr rtl="0"/>
             <a:r>
               <a:rPr lang="fr-FR" dirty="0"/>
-              <a:t>2019 – LP CODESI</a:t>
+              <a:t>2019 – LP CODESI – IUT Aix-Marseille – Site d’Arles</a:t>
+            </a:r>
+          </a:p>
+          <a:p>
+            <a:pPr rtl="0"/>
+            <a:r>
+              <a:rPr lang="fr-FR" dirty="0"/>
+              <a:t>Commanditaire : M. Thon</a:t>
             </a:r>
           </a:p>
         </p:txBody>
@@ -14168,6 +14166,34 @@
           </a:graphicData>
         </a:graphic>
       </p:graphicFrame>
+      <p:sp>
+        <p:nvSpPr>
+          <p:cNvPr id="6" name="Espace réservé du numéro de diapositive 5">
+            <a:extLst>
+              <a:ext uri="{FF2B5EF4-FFF2-40B4-BE49-F238E27FC236}">
+                <a16:creationId xmlns:a16="http://schemas.microsoft.com/office/drawing/2014/main" id="{F4EF488D-F1F1-46A6-9F22-1ACF620EE30F}"/>
+              </a:ext>
+            </a:extLst>
+          </p:cNvPr>
+          <p:cNvSpPr>
+            <a:spLocks noGrp="1"/>
+          </p:cNvSpPr>
+          <p:nvPr>
+            <p:ph type="sldNum" sz="quarter" idx="12"/>
+          </p:nvPr>
+        </p:nvSpPr>
+        <p:spPr/>
+        <p:txBody>
+          <a:bodyPr/>
+          <a:lstStyle/>
+          <a:p>
+            <a:r>
+              <a:rPr lang="fr-FR" sz="2800" dirty="0"/>
+              <a:t>8</a:t>
+            </a:r>
+          </a:p>
+        </p:txBody>
+      </p:sp>
     </p:spTree>
     <p:extLst>
       <p:ext uri="{BB962C8B-B14F-4D97-AF65-F5344CB8AC3E}">
@@ -14257,6 +14283,34 @@
           </a:graphicData>
         </a:graphic>
       </p:graphicFrame>
+      <p:sp>
+        <p:nvSpPr>
+          <p:cNvPr id="7" name="Espace réservé du numéro de diapositive 6">
+            <a:extLst>
+              <a:ext uri="{FF2B5EF4-FFF2-40B4-BE49-F238E27FC236}">
+                <a16:creationId xmlns:a16="http://schemas.microsoft.com/office/drawing/2014/main" id="{09D20A83-BB92-4373-8A61-97BB95C2A2BE}"/>
+              </a:ext>
+            </a:extLst>
+          </p:cNvPr>
+          <p:cNvSpPr>
+            <a:spLocks noGrp="1"/>
+          </p:cNvSpPr>
+          <p:nvPr>
+            <p:ph type="sldNum" sz="quarter" idx="12"/>
+          </p:nvPr>
+        </p:nvSpPr>
+        <p:spPr/>
+        <p:txBody>
+          <a:bodyPr/>
+          <a:lstStyle/>
+          <a:p>
+            <a:r>
+              <a:rPr lang="fr-FR" sz="2800" dirty="0"/>
+              <a:t>9</a:t>
+            </a:r>
+          </a:p>
+        </p:txBody>
+      </p:sp>
     </p:spTree>
     <p:extLst>
       <p:ext uri="{BB962C8B-B14F-4D97-AF65-F5344CB8AC3E}">
@@ -14311,6 +14365,34 @@
             <a:r>
               <a:rPr lang="fr-FR" dirty="0"/>
               <a:t>Démonstration</a:t>
+            </a:r>
+          </a:p>
+        </p:txBody>
+      </p:sp>
+      <p:sp>
+        <p:nvSpPr>
+          <p:cNvPr id="6" name="Espace réservé du numéro de diapositive 5">
+            <a:extLst>
+              <a:ext uri="{FF2B5EF4-FFF2-40B4-BE49-F238E27FC236}">
+                <a16:creationId xmlns:a16="http://schemas.microsoft.com/office/drawing/2014/main" id="{C52AAEBF-8BEC-4961-8CF4-B83E95FB277D}"/>
+              </a:ext>
+            </a:extLst>
+          </p:cNvPr>
+          <p:cNvSpPr>
+            <a:spLocks noGrp="1"/>
+          </p:cNvSpPr>
+          <p:nvPr>
+            <p:ph type="sldNum" sz="quarter" idx="12"/>
+          </p:nvPr>
+        </p:nvSpPr>
+        <p:spPr/>
+        <p:txBody>
+          <a:bodyPr/>
+          <a:lstStyle/>
+          <a:p>
+            <a:r>
+              <a:rPr lang="fr-FR" sz="2800" dirty="0"/>
+              <a:t>10</a:t>
             </a:r>
           </a:p>
         </p:txBody>
@@ -14497,6 +14579,34 @@
           </a:p>
         </p:txBody>
       </p:sp>
+      <p:sp>
+        <p:nvSpPr>
+          <p:cNvPr id="10" name="Espace réservé du numéro de diapositive 9">
+            <a:extLst>
+              <a:ext uri="{FF2B5EF4-FFF2-40B4-BE49-F238E27FC236}">
+                <a16:creationId xmlns:a16="http://schemas.microsoft.com/office/drawing/2014/main" id="{8732FC0D-E958-4206-9D44-A41A3F055FFE}"/>
+              </a:ext>
+            </a:extLst>
+          </p:cNvPr>
+          <p:cNvSpPr>
+            <a:spLocks noGrp="1"/>
+          </p:cNvSpPr>
+          <p:nvPr>
+            <p:ph type="sldNum" sz="quarter" idx="12"/>
+          </p:nvPr>
+        </p:nvSpPr>
+        <p:spPr/>
+        <p:txBody>
+          <a:bodyPr/>
+          <a:lstStyle/>
+          <a:p>
+            <a:r>
+              <a:rPr lang="fr-FR" sz="2800" noProof="0" dirty="0"/>
+              <a:t>11</a:t>
+            </a:r>
+          </a:p>
+        </p:txBody>
+      </p:sp>
     </p:spTree>
     <p:extLst>
       <p:ext uri="{BB962C8B-B14F-4D97-AF65-F5344CB8AC3E}">
@@ -14619,6 +14729,34 @@
             <a:r>
               <a:rPr lang="fr-FR" dirty="0"/>
               <a:t>Des incompréhensions ?</a:t>
+            </a:r>
+          </a:p>
+        </p:txBody>
+      </p:sp>
+      <p:sp>
+        <p:nvSpPr>
+          <p:cNvPr id="8" name="Espace réservé du numéro de diapositive 7">
+            <a:extLst>
+              <a:ext uri="{FF2B5EF4-FFF2-40B4-BE49-F238E27FC236}">
+                <a16:creationId xmlns:a16="http://schemas.microsoft.com/office/drawing/2014/main" id="{5F4905CF-C392-43AE-9118-5A8F1BB5BC70}"/>
+              </a:ext>
+            </a:extLst>
+          </p:cNvPr>
+          <p:cNvSpPr>
+            <a:spLocks noGrp="1"/>
+          </p:cNvSpPr>
+          <p:nvPr>
+            <p:ph type="sldNum" sz="quarter" idx="12"/>
+          </p:nvPr>
+        </p:nvSpPr>
+        <p:spPr/>
+        <p:txBody>
+          <a:bodyPr/>
+          <a:lstStyle/>
+          <a:p>
+            <a:r>
+              <a:rPr lang="fr-FR" sz="2800" dirty="0"/>
+              <a:t>12</a:t>
             </a:r>
           </a:p>
         </p:txBody>
@@ -15091,6 +15229,34 @@
           </a:graphicData>
         </a:graphic>
       </p:graphicFrame>
+      <p:sp>
+        <p:nvSpPr>
+          <p:cNvPr id="6" name="Espace réservé du numéro de diapositive 5">
+            <a:extLst>
+              <a:ext uri="{FF2B5EF4-FFF2-40B4-BE49-F238E27FC236}">
+                <a16:creationId xmlns:a16="http://schemas.microsoft.com/office/drawing/2014/main" id="{234F2249-5C2F-4BA1-8586-CD83E9806C59}"/>
+              </a:ext>
+            </a:extLst>
+          </p:cNvPr>
+          <p:cNvSpPr>
+            <a:spLocks noGrp="1"/>
+          </p:cNvSpPr>
+          <p:nvPr>
+            <p:ph type="sldNum" sz="quarter" idx="12"/>
+          </p:nvPr>
+        </p:nvSpPr>
+        <p:spPr/>
+        <p:txBody>
+          <a:bodyPr/>
+          <a:lstStyle/>
+          <a:p>
+            <a:r>
+              <a:rPr lang="fr-FR" sz="2800" dirty="0"/>
+              <a:t>1</a:t>
+            </a:r>
+          </a:p>
+        </p:txBody>
+      </p:sp>
     </p:spTree>
     <p:extLst>
       <p:ext uri="{BB962C8B-B14F-4D97-AF65-F5344CB8AC3E}">
@@ -15179,6 +15345,34 @@
           </a:xfrm>
         </p:spPr>
       </p:pic>
+      <p:sp>
+        <p:nvSpPr>
+          <p:cNvPr id="6" name="Espace réservé du numéro de diapositive 5">
+            <a:extLst>
+              <a:ext uri="{FF2B5EF4-FFF2-40B4-BE49-F238E27FC236}">
+                <a16:creationId xmlns:a16="http://schemas.microsoft.com/office/drawing/2014/main" id="{C17F9E4A-15B5-4EA8-AAEC-A7289EF89514}"/>
+              </a:ext>
+            </a:extLst>
+          </p:cNvPr>
+          <p:cNvSpPr>
+            <a:spLocks noGrp="1"/>
+          </p:cNvSpPr>
+          <p:nvPr>
+            <p:ph type="sldNum" sz="quarter" idx="12"/>
+          </p:nvPr>
+        </p:nvSpPr>
+        <p:spPr/>
+        <p:txBody>
+          <a:bodyPr/>
+          <a:lstStyle/>
+          <a:p>
+            <a:r>
+              <a:rPr lang="fr-FR" sz="2800" dirty="0"/>
+              <a:t>2</a:t>
+            </a:r>
+          </a:p>
+        </p:txBody>
+      </p:sp>
     </p:spTree>
     <p:extLst>
       <p:ext uri="{BB962C8B-B14F-4D97-AF65-F5344CB8AC3E}">
@@ -15321,6 +15515,34 @@
           </a:p>
         </p:txBody>
       </p:sp>
+      <p:sp>
+        <p:nvSpPr>
+          <p:cNvPr id="8" name="Espace réservé du numéro de diapositive 7">
+            <a:extLst>
+              <a:ext uri="{FF2B5EF4-FFF2-40B4-BE49-F238E27FC236}">
+                <a16:creationId xmlns:a16="http://schemas.microsoft.com/office/drawing/2014/main" id="{5C76C29F-E82F-42C1-A0D2-36D1789C43A7}"/>
+              </a:ext>
+            </a:extLst>
+          </p:cNvPr>
+          <p:cNvSpPr>
+            <a:spLocks noGrp="1"/>
+          </p:cNvSpPr>
+          <p:nvPr>
+            <p:ph type="sldNum" sz="quarter" idx="12"/>
+          </p:nvPr>
+        </p:nvSpPr>
+        <p:spPr/>
+        <p:txBody>
+          <a:bodyPr/>
+          <a:lstStyle/>
+          <a:p>
+            <a:r>
+              <a:rPr lang="fr-FR" sz="2800" dirty="0"/>
+              <a:t>3</a:t>
+            </a:r>
+          </a:p>
+        </p:txBody>
+      </p:sp>
     </p:spTree>
     <p:extLst>
       <p:ext uri="{BB962C8B-B14F-4D97-AF65-F5344CB8AC3E}">
@@ -15409,6 +15631,34 @@
           </a:xfrm>
         </p:spPr>
       </p:pic>
+      <p:sp>
+        <p:nvSpPr>
+          <p:cNvPr id="6" name="Espace réservé du numéro de diapositive 5">
+            <a:extLst>
+              <a:ext uri="{FF2B5EF4-FFF2-40B4-BE49-F238E27FC236}">
+                <a16:creationId xmlns:a16="http://schemas.microsoft.com/office/drawing/2014/main" id="{C559B182-DC40-48EF-B514-7A73661CC5A2}"/>
+              </a:ext>
+            </a:extLst>
+          </p:cNvPr>
+          <p:cNvSpPr>
+            <a:spLocks noGrp="1"/>
+          </p:cNvSpPr>
+          <p:nvPr>
+            <p:ph type="sldNum" sz="quarter" idx="12"/>
+          </p:nvPr>
+        </p:nvSpPr>
+        <p:spPr/>
+        <p:txBody>
+          <a:bodyPr/>
+          <a:lstStyle/>
+          <a:p>
+            <a:r>
+              <a:rPr lang="fr-FR" sz="2800" dirty="0"/>
+              <a:t>4</a:t>
+            </a:r>
+          </a:p>
+        </p:txBody>
+      </p:sp>
     </p:spTree>
     <p:extLst>
       <p:ext uri="{BB962C8B-B14F-4D97-AF65-F5344CB8AC3E}">
@@ -15497,6 +15747,34 @@
           </a:xfrm>
         </p:spPr>
       </p:pic>
+      <p:sp>
+        <p:nvSpPr>
+          <p:cNvPr id="7" name="Espace réservé du numéro de diapositive 6">
+            <a:extLst>
+              <a:ext uri="{FF2B5EF4-FFF2-40B4-BE49-F238E27FC236}">
+                <a16:creationId xmlns:a16="http://schemas.microsoft.com/office/drawing/2014/main" id="{EF6D4F30-AE65-4FB5-9802-11A57512A42F}"/>
+              </a:ext>
+            </a:extLst>
+          </p:cNvPr>
+          <p:cNvSpPr>
+            <a:spLocks noGrp="1"/>
+          </p:cNvSpPr>
+          <p:nvPr>
+            <p:ph type="sldNum" sz="quarter" idx="12"/>
+          </p:nvPr>
+        </p:nvSpPr>
+        <p:spPr/>
+        <p:txBody>
+          <a:bodyPr/>
+          <a:lstStyle/>
+          <a:p>
+            <a:r>
+              <a:rPr lang="fr-FR" sz="2800" dirty="0"/>
+              <a:t>5</a:t>
+            </a:r>
+          </a:p>
+        </p:txBody>
+      </p:sp>
     </p:spTree>
     <p:extLst>
       <p:ext uri="{BB962C8B-B14F-4D97-AF65-F5344CB8AC3E}">
@@ -15639,6 +15917,34 @@
           </a:p>
         </p:txBody>
       </p:sp>
+      <p:sp>
+        <p:nvSpPr>
+          <p:cNvPr id="6" name="Espace réservé du numéro de diapositive 5">
+            <a:extLst>
+              <a:ext uri="{FF2B5EF4-FFF2-40B4-BE49-F238E27FC236}">
+                <a16:creationId xmlns:a16="http://schemas.microsoft.com/office/drawing/2014/main" id="{B2875102-DB27-4B5B-9758-76F71E137690}"/>
+              </a:ext>
+            </a:extLst>
+          </p:cNvPr>
+          <p:cNvSpPr>
+            <a:spLocks noGrp="1"/>
+          </p:cNvSpPr>
+          <p:nvPr>
+            <p:ph type="sldNum" sz="quarter" idx="12"/>
+          </p:nvPr>
+        </p:nvSpPr>
+        <p:spPr/>
+        <p:txBody>
+          <a:bodyPr/>
+          <a:lstStyle/>
+          <a:p>
+            <a:r>
+              <a:rPr lang="fr-FR" sz="2800" dirty="0"/>
+              <a:t>6</a:t>
+            </a:r>
+          </a:p>
+        </p:txBody>
+      </p:sp>
     </p:spTree>
     <p:extLst>
       <p:ext uri="{BB962C8B-B14F-4D97-AF65-F5344CB8AC3E}">
@@ -15745,6 +16051,34 @@
             <a:r>
               <a:rPr lang="fr-FR" dirty="0"/>
               <a:t>Impossible de tester l’application sur iOS.</a:t>
+            </a:r>
+          </a:p>
+        </p:txBody>
+      </p:sp>
+      <p:sp>
+        <p:nvSpPr>
+          <p:cNvPr id="7" name="Espace réservé du numéro de diapositive 6">
+            <a:extLst>
+              <a:ext uri="{FF2B5EF4-FFF2-40B4-BE49-F238E27FC236}">
+                <a16:creationId xmlns:a16="http://schemas.microsoft.com/office/drawing/2014/main" id="{4ED27FF4-164A-4096-9D52-1B42E9DCFED7}"/>
+              </a:ext>
+            </a:extLst>
+          </p:cNvPr>
+          <p:cNvSpPr>
+            <a:spLocks noGrp="1"/>
+          </p:cNvSpPr>
+          <p:nvPr>
+            <p:ph type="sldNum" sz="quarter" idx="12"/>
+          </p:nvPr>
+        </p:nvSpPr>
+        <p:spPr/>
+        <p:txBody>
+          <a:bodyPr/>
+          <a:lstStyle/>
+          <a:p>
+            <a:r>
+              <a:rPr lang="fr-FR" sz="2800" dirty="0"/>
+              <a:t>7</a:t>
             </a:r>
           </a:p>
         </p:txBody>
@@ -16546,6 +16880,141 @@
 </file>
 
 <file path=customXml/item1.xml><?xml version="1.0" encoding="utf-8"?>
+<p:properties xmlns:p="http://schemas.microsoft.com/office/2006/metadata/properties" xmlns:xsi="http://www.w3.org/2001/XMLSchema-instance" xmlns:pc="http://schemas.microsoft.com/office/infopath/2007/PartnerControls">
+  <documentManagement>
+    <DirectSourceMarket xmlns="4873beb7-5857-4685-be1f-d57550cc96cc" xsi:nil="true"/>
+    <ApprovalStatus xmlns="4873beb7-5857-4685-be1f-d57550cc96cc">InProgress</ApprovalStatus>
+    <MarketSpecific xmlns="4873beb7-5857-4685-be1f-d57550cc96cc">false</MarketSpecific>
+    <LocComments xmlns="4873beb7-5857-4685-be1f-d57550cc96cc" xsi:nil="true"/>
+    <ThumbnailAssetId xmlns="4873beb7-5857-4685-be1f-d57550cc96cc" xsi:nil="true"/>
+    <PrimaryImageGen xmlns="4873beb7-5857-4685-be1f-d57550cc96cc">true</PrimaryImageGen>
+    <LegacyData xmlns="4873beb7-5857-4685-be1f-d57550cc96cc" xsi:nil="true"/>
+    <LocRecommendedHandoff xmlns="4873beb7-5857-4685-be1f-d57550cc96cc" xsi:nil="true"/>
+    <BusinessGroup xmlns="4873beb7-5857-4685-be1f-d57550cc96cc" xsi:nil="true"/>
+    <BlockPublish xmlns="4873beb7-5857-4685-be1f-d57550cc96cc">false</BlockPublish>
+    <TPFriendlyName xmlns="4873beb7-5857-4685-be1f-d57550cc96cc" xsi:nil="true"/>
+    <NumericId xmlns="4873beb7-5857-4685-be1f-d57550cc96cc" xsi:nil="true"/>
+    <APEditor xmlns="4873beb7-5857-4685-be1f-d57550cc96cc">
+      <UserInfo>
+        <DisplayName/>
+        <AccountId xsi:nil="true"/>
+        <AccountType/>
+      </UserInfo>
+    </APEditor>
+    <SourceTitle xmlns="4873beb7-5857-4685-be1f-d57550cc96cc" xsi:nil="true"/>
+    <OpenTemplate xmlns="4873beb7-5857-4685-be1f-d57550cc96cc">true</OpenTemplate>
+    <UALocComments xmlns="4873beb7-5857-4685-be1f-d57550cc96cc" xsi:nil="true"/>
+    <ParentAssetId xmlns="4873beb7-5857-4685-be1f-d57550cc96cc" xsi:nil="true"/>
+    <IntlLangReviewDate xmlns="4873beb7-5857-4685-be1f-d57550cc96cc" xsi:nil="true"/>
+    <FeatureTagsTaxHTField0 xmlns="4873beb7-5857-4685-be1f-d57550cc96cc">
+      <Terms xmlns="http://schemas.microsoft.com/office/infopath/2007/PartnerControls"/>
+    </FeatureTagsTaxHTField0>
+    <PublishStatusLookup xmlns="4873beb7-5857-4685-be1f-d57550cc96cc">
+      <Value>1566889</Value>
+    </PublishStatusLookup>
+    <Providers xmlns="4873beb7-5857-4685-be1f-d57550cc96cc" xsi:nil="true"/>
+    <MachineTranslated xmlns="4873beb7-5857-4685-be1f-d57550cc96cc">false</MachineTranslated>
+    <OriginalSourceMarket xmlns="4873beb7-5857-4685-be1f-d57550cc96cc" xsi:nil="true"/>
+    <APDescription xmlns="4873beb7-5857-4685-be1f-d57550cc96cc" xsi:nil="true"/>
+    <ClipArtFilename xmlns="4873beb7-5857-4685-be1f-d57550cc96cc" xsi:nil="true"/>
+    <ContentItem xmlns="4873beb7-5857-4685-be1f-d57550cc96cc" xsi:nil="true"/>
+    <TPInstallLocation xmlns="4873beb7-5857-4685-be1f-d57550cc96cc" xsi:nil="true"/>
+    <PublishTargets xmlns="4873beb7-5857-4685-be1f-d57550cc96cc">OfficeOnlineVNext</PublishTargets>
+    <TimesCloned xmlns="4873beb7-5857-4685-be1f-d57550cc96cc" xsi:nil="true"/>
+    <AssetStart xmlns="4873beb7-5857-4685-be1f-d57550cc96cc">2012-05-23T08:44:00+00:00</AssetStart>
+    <Provider xmlns="4873beb7-5857-4685-be1f-d57550cc96cc" xsi:nil="true"/>
+    <AcquiredFrom xmlns="4873beb7-5857-4685-be1f-d57550cc96cc">Internal MS</AcquiredFrom>
+    <FriendlyTitle xmlns="4873beb7-5857-4685-be1f-d57550cc96cc" xsi:nil="true"/>
+    <LastHandOff xmlns="4873beb7-5857-4685-be1f-d57550cc96cc" xsi:nil="true"/>
+    <TPClientViewer xmlns="4873beb7-5857-4685-be1f-d57550cc96cc" xsi:nil="true"/>
+    <UACurrentWords xmlns="4873beb7-5857-4685-be1f-d57550cc96cc" xsi:nil="true"/>
+    <ArtSampleDocs xmlns="4873beb7-5857-4685-be1f-d57550cc96cc" xsi:nil="true"/>
+    <UALocRecommendation xmlns="4873beb7-5857-4685-be1f-d57550cc96cc">Localize</UALocRecommendation>
+    <Manager xmlns="4873beb7-5857-4685-be1f-d57550cc96cc" xsi:nil="true"/>
+    <ShowIn xmlns="4873beb7-5857-4685-be1f-d57550cc96cc">Show everywhere</ShowIn>
+    <UANotes xmlns="4873beb7-5857-4685-be1f-d57550cc96cc" xsi:nil="true"/>
+    <TemplateStatus xmlns="4873beb7-5857-4685-be1f-d57550cc96cc">Complete</TemplateStatus>
+    <InternalTagsTaxHTField0 xmlns="4873beb7-5857-4685-be1f-d57550cc96cc">
+      <Terms xmlns="http://schemas.microsoft.com/office/infopath/2007/PartnerControls"/>
+    </InternalTagsTaxHTField0>
+    <CSXHash xmlns="4873beb7-5857-4685-be1f-d57550cc96cc" xsi:nil="true"/>
+    <Downloads xmlns="4873beb7-5857-4685-be1f-d57550cc96cc">0</Downloads>
+    <VoteCount xmlns="4873beb7-5857-4685-be1f-d57550cc96cc" xsi:nil="true"/>
+    <OOCacheId xmlns="4873beb7-5857-4685-be1f-d57550cc96cc" xsi:nil="true"/>
+    <IsDeleted xmlns="4873beb7-5857-4685-be1f-d57550cc96cc">false</IsDeleted>
+    <AssetExpire xmlns="4873beb7-5857-4685-be1f-d57550cc96cc">2029-01-01T08:00:00+00:00</AssetExpire>
+    <DSATActionTaken xmlns="4873beb7-5857-4685-be1f-d57550cc96cc" xsi:nil="true"/>
+    <CSXSubmissionMarket xmlns="4873beb7-5857-4685-be1f-d57550cc96cc" xsi:nil="true"/>
+    <TPExecutable xmlns="4873beb7-5857-4685-be1f-d57550cc96cc" xsi:nil="true"/>
+    <SubmitterId xmlns="4873beb7-5857-4685-be1f-d57550cc96cc" xsi:nil="true"/>
+    <EditorialTags xmlns="4873beb7-5857-4685-be1f-d57550cc96cc" xsi:nil="true"/>
+    <ApprovalLog xmlns="4873beb7-5857-4685-be1f-d57550cc96cc" xsi:nil="true"/>
+    <AssetType xmlns="4873beb7-5857-4685-be1f-d57550cc96cc">TP</AssetType>
+    <BugNumber xmlns="4873beb7-5857-4685-be1f-d57550cc96cc" xsi:nil="true"/>
+    <CSXSubmissionDate xmlns="4873beb7-5857-4685-be1f-d57550cc96cc" xsi:nil="true"/>
+    <CSXUpdate xmlns="4873beb7-5857-4685-be1f-d57550cc96cc">false</CSXUpdate>
+    <Milestone xmlns="4873beb7-5857-4685-be1f-d57550cc96cc" xsi:nil="true"/>
+    <RecommendationsModifier xmlns="4873beb7-5857-4685-be1f-d57550cc96cc" xsi:nil="true"/>
+    <OriginAsset xmlns="4873beb7-5857-4685-be1f-d57550cc96cc" xsi:nil="true"/>
+    <TPComponent xmlns="4873beb7-5857-4685-be1f-d57550cc96cc" xsi:nil="true"/>
+    <AssetId xmlns="4873beb7-5857-4685-be1f-d57550cc96cc">TP102901017</AssetId>
+    <IntlLocPriority xmlns="4873beb7-5857-4685-be1f-d57550cc96cc" xsi:nil="true"/>
+    <PolicheckWords xmlns="4873beb7-5857-4685-be1f-d57550cc96cc" xsi:nil="true"/>
+    <TPLaunchHelpLink xmlns="4873beb7-5857-4685-be1f-d57550cc96cc" xsi:nil="true"/>
+    <TPApplication xmlns="4873beb7-5857-4685-be1f-d57550cc96cc" xsi:nil="true"/>
+    <CrawlForDependencies xmlns="4873beb7-5857-4685-be1f-d57550cc96cc">false</CrawlForDependencies>
+    <HandoffToMSDN xmlns="4873beb7-5857-4685-be1f-d57550cc96cc" xsi:nil="true"/>
+    <PlannedPubDate xmlns="4873beb7-5857-4685-be1f-d57550cc96cc" xsi:nil="true"/>
+    <IntlLangReviewer xmlns="4873beb7-5857-4685-be1f-d57550cc96cc" xsi:nil="true"/>
+    <TrustLevel xmlns="4873beb7-5857-4685-be1f-d57550cc96cc">1 Microsoft Managed Content</TrustLevel>
+    <LocLastLocAttemptVersionLookup xmlns="4873beb7-5857-4685-be1f-d57550cc96cc">836753</LocLastLocAttemptVersionLookup>
+    <IsSearchable xmlns="4873beb7-5857-4685-be1f-d57550cc96cc">true</IsSearchable>
+    <TemplateTemplateType xmlns="4873beb7-5857-4685-be1f-d57550cc96cc">PowerPoint Design Template</TemplateTemplateType>
+    <CampaignTagsTaxHTField0 xmlns="4873beb7-5857-4685-be1f-d57550cc96cc">
+      <Terms xmlns="http://schemas.microsoft.com/office/infopath/2007/PartnerControls"/>
+    </CampaignTagsTaxHTField0>
+    <TPNamespace xmlns="4873beb7-5857-4685-be1f-d57550cc96cc" xsi:nil="true"/>
+    <TaxCatchAll xmlns="4873beb7-5857-4685-be1f-d57550cc96cc"/>
+    <Markets xmlns="4873beb7-5857-4685-be1f-d57550cc96cc"/>
+    <UAProjectedTotalWords xmlns="4873beb7-5857-4685-be1f-d57550cc96cc" xsi:nil="true"/>
+    <IntlLangReview xmlns="4873beb7-5857-4685-be1f-d57550cc96cc">false</IntlLangReview>
+    <OutputCachingOn xmlns="4873beb7-5857-4685-be1f-d57550cc96cc">false</OutputCachingOn>
+    <AverageRating xmlns="4873beb7-5857-4685-be1f-d57550cc96cc" xsi:nil="true"/>
+    <APAuthor xmlns="4873beb7-5857-4685-be1f-d57550cc96cc">
+      <UserInfo>
+        <DisplayName>REDMOND\v-anij</DisplayName>
+        <AccountId>2469</AccountId>
+        <AccountType/>
+      </UserInfo>
+    </APAuthor>
+    <LocManualTestRequired xmlns="4873beb7-5857-4685-be1f-d57550cc96cc">false</LocManualTestRequired>
+    <TPCommandLine xmlns="4873beb7-5857-4685-be1f-d57550cc96cc" xsi:nil="true"/>
+    <TPAppVersion xmlns="4873beb7-5857-4685-be1f-d57550cc96cc" xsi:nil="true"/>
+    <EditorialStatus xmlns="4873beb7-5857-4685-be1f-d57550cc96cc">Complete</EditorialStatus>
+    <LastModifiedDateTime xmlns="4873beb7-5857-4685-be1f-d57550cc96cc" xsi:nil="true"/>
+    <ScenarioTagsTaxHTField0 xmlns="4873beb7-5857-4685-be1f-d57550cc96cc">
+      <Terms xmlns="http://schemas.microsoft.com/office/infopath/2007/PartnerControls"/>
+    </ScenarioTagsTaxHTField0>
+    <OriginalRelease xmlns="4873beb7-5857-4685-be1f-d57550cc96cc">15</OriginalRelease>
+    <TPLaunchHelpLinkType xmlns="4873beb7-5857-4685-be1f-d57550cc96cc">Template</TPLaunchHelpLinkType>
+    <LocalizationTagsTaxHTField0 xmlns="4873beb7-5857-4685-be1f-d57550cc96cc">
+      <Terms xmlns="http://schemas.microsoft.com/office/infopath/2007/PartnerControls"/>
+    </LocalizationTagsTaxHTField0>
+    <LocMarketGroupTiers2 xmlns="4873beb7-5857-4685-be1f-d57550cc96cc" xsi:nil="true"/>
+  </documentManagement>
+</p:properties>
+</file>
+
+<file path=customXml/item2.xml><?xml version="1.0" encoding="utf-8"?>
+<?mso-contentType ?>
+<FormTemplates xmlns="http://schemas.microsoft.com/sharepoint/v3/contenttype/forms">
+  <Display>DocumentLibraryForm</Display>
+  <Edit>AssetEditForm</Edit>
+  <New>DocumentLibraryForm</New>
+</FormTemplates>
+</file>
+
+<file path=customXml/item3.xml><?xml version="1.0" encoding="utf-8"?>
 <ct:contentTypeSchema xmlns:ct="http://schemas.microsoft.com/office/2006/metadata/contentType" xmlns:ma="http://schemas.microsoft.com/office/2006/metadata/properties/metaAttributes" ct:_="" ma:_="" ma:contentTypeName="TemplateFile" ma:contentTypeID="0x0101006EDDDB5EE6D98C44930B742096920B300400F5B6D36B3EF94B4E9A635CDF2A18F5B8" ma:contentTypeVersion="72" ma:contentTypeDescription="Create a new document." ma:contentTypeScope="" ma:versionID="a23e56308344d904b51738559c3d67c9">
   <xsd:schema xmlns:xsd="http://www.w3.org/2001/XMLSchema" xmlns:xs="http://www.w3.org/2001/XMLSchema" xmlns:p="http://schemas.microsoft.com/office/2006/metadata/properties" xmlns:ns2="4873beb7-5857-4685-be1f-d57550cc96cc" targetNamespace="http://schemas.microsoft.com/office/2006/metadata/properties" ma:root="true" ma:fieldsID="cd0908cc4600e77bf5da051303e00c8d" ns2:_="">
     <xsd:import namespace="4873beb7-5857-4685-be1f-d57550cc96cc"/>
@@ -17585,142 +18054,25 @@
 </ct:contentTypeSchema>
 </file>
 
-<file path=customXml/item2.xml><?xml version="1.0" encoding="utf-8"?>
-<?mso-contentType ?>
-<FormTemplates xmlns="http://schemas.microsoft.com/sharepoint/v3/contenttype/forms">
-  <Display>DocumentLibraryForm</Display>
-  <Edit>AssetEditForm</Edit>
-  <New>DocumentLibraryForm</New>
-</FormTemplates>
+<file path=customXml/itemProps1.xml><?xml version="1.0" encoding="utf-8"?>
+<ds:datastoreItem xmlns:ds="http://schemas.openxmlformats.org/officeDocument/2006/customXml" ds:itemID="{04098515-0C12-46CF-BC7C-69B4A13CD5FA}">
+  <ds:schemaRefs>
+    <ds:schemaRef ds:uri="http://schemas.microsoft.com/office/2006/metadata/properties"/>
+    <ds:schemaRef ds:uri="http://schemas.microsoft.com/office/infopath/2007/PartnerControls"/>
+    <ds:schemaRef ds:uri="4873beb7-5857-4685-be1f-d57550cc96cc"/>
+  </ds:schemaRefs>
+</ds:datastoreItem>
 </file>
 
-<file path=customXml/item3.xml><?xml version="1.0" encoding="utf-8"?>
-<p:properties xmlns:p="http://schemas.microsoft.com/office/2006/metadata/properties" xmlns:xsi="http://www.w3.org/2001/XMLSchema-instance" xmlns:pc="http://schemas.microsoft.com/office/infopath/2007/PartnerControls">
-  <documentManagement>
-    <DirectSourceMarket xmlns="4873beb7-5857-4685-be1f-d57550cc96cc" xsi:nil="true"/>
-    <ApprovalStatus xmlns="4873beb7-5857-4685-be1f-d57550cc96cc">InProgress</ApprovalStatus>
-    <MarketSpecific xmlns="4873beb7-5857-4685-be1f-d57550cc96cc">false</MarketSpecific>
-    <LocComments xmlns="4873beb7-5857-4685-be1f-d57550cc96cc" xsi:nil="true"/>
-    <ThumbnailAssetId xmlns="4873beb7-5857-4685-be1f-d57550cc96cc" xsi:nil="true"/>
-    <PrimaryImageGen xmlns="4873beb7-5857-4685-be1f-d57550cc96cc">true</PrimaryImageGen>
-    <LegacyData xmlns="4873beb7-5857-4685-be1f-d57550cc96cc" xsi:nil="true"/>
-    <LocRecommendedHandoff xmlns="4873beb7-5857-4685-be1f-d57550cc96cc" xsi:nil="true"/>
-    <BusinessGroup xmlns="4873beb7-5857-4685-be1f-d57550cc96cc" xsi:nil="true"/>
-    <BlockPublish xmlns="4873beb7-5857-4685-be1f-d57550cc96cc">false</BlockPublish>
-    <TPFriendlyName xmlns="4873beb7-5857-4685-be1f-d57550cc96cc" xsi:nil="true"/>
-    <NumericId xmlns="4873beb7-5857-4685-be1f-d57550cc96cc" xsi:nil="true"/>
-    <APEditor xmlns="4873beb7-5857-4685-be1f-d57550cc96cc">
-      <UserInfo>
-        <DisplayName/>
-        <AccountId xsi:nil="true"/>
-        <AccountType/>
-      </UserInfo>
-    </APEditor>
-    <SourceTitle xmlns="4873beb7-5857-4685-be1f-d57550cc96cc" xsi:nil="true"/>
-    <OpenTemplate xmlns="4873beb7-5857-4685-be1f-d57550cc96cc">true</OpenTemplate>
-    <UALocComments xmlns="4873beb7-5857-4685-be1f-d57550cc96cc" xsi:nil="true"/>
-    <ParentAssetId xmlns="4873beb7-5857-4685-be1f-d57550cc96cc" xsi:nil="true"/>
-    <IntlLangReviewDate xmlns="4873beb7-5857-4685-be1f-d57550cc96cc" xsi:nil="true"/>
-    <FeatureTagsTaxHTField0 xmlns="4873beb7-5857-4685-be1f-d57550cc96cc">
-      <Terms xmlns="http://schemas.microsoft.com/office/infopath/2007/PartnerControls"/>
-    </FeatureTagsTaxHTField0>
-    <PublishStatusLookup xmlns="4873beb7-5857-4685-be1f-d57550cc96cc">
-      <Value>1566889</Value>
-    </PublishStatusLookup>
-    <Providers xmlns="4873beb7-5857-4685-be1f-d57550cc96cc" xsi:nil="true"/>
-    <MachineTranslated xmlns="4873beb7-5857-4685-be1f-d57550cc96cc">false</MachineTranslated>
-    <OriginalSourceMarket xmlns="4873beb7-5857-4685-be1f-d57550cc96cc" xsi:nil="true"/>
-    <APDescription xmlns="4873beb7-5857-4685-be1f-d57550cc96cc" xsi:nil="true"/>
-    <ClipArtFilename xmlns="4873beb7-5857-4685-be1f-d57550cc96cc" xsi:nil="true"/>
-    <ContentItem xmlns="4873beb7-5857-4685-be1f-d57550cc96cc" xsi:nil="true"/>
-    <TPInstallLocation xmlns="4873beb7-5857-4685-be1f-d57550cc96cc" xsi:nil="true"/>
-    <PublishTargets xmlns="4873beb7-5857-4685-be1f-d57550cc96cc">OfficeOnlineVNext</PublishTargets>
-    <TimesCloned xmlns="4873beb7-5857-4685-be1f-d57550cc96cc" xsi:nil="true"/>
-    <AssetStart xmlns="4873beb7-5857-4685-be1f-d57550cc96cc">2012-05-23T08:44:00+00:00</AssetStart>
-    <Provider xmlns="4873beb7-5857-4685-be1f-d57550cc96cc" xsi:nil="true"/>
-    <AcquiredFrom xmlns="4873beb7-5857-4685-be1f-d57550cc96cc">Internal MS</AcquiredFrom>
-    <FriendlyTitle xmlns="4873beb7-5857-4685-be1f-d57550cc96cc" xsi:nil="true"/>
-    <LastHandOff xmlns="4873beb7-5857-4685-be1f-d57550cc96cc" xsi:nil="true"/>
-    <TPClientViewer xmlns="4873beb7-5857-4685-be1f-d57550cc96cc" xsi:nil="true"/>
-    <UACurrentWords xmlns="4873beb7-5857-4685-be1f-d57550cc96cc" xsi:nil="true"/>
-    <ArtSampleDocs xmlns="4873beb7-5857-4685-be1f-d57550cc96cc" xsi:nil="true"/>
-    <UALocRecommendation xmlns="4873beb7-5857-4685-be1f-d57550cc96cc">Localize</UALocRecommendation>
-    <Manager xmlns="4873beb7-5857-4685-be1f-d57550cc96cc" xsi:nil="true"/>
-    <ShowIn xmlns="4873beb7-5857-4685-be1f-d57550cc96cc">Show everywhere</ShowIn>
-    <UANotes xmlns="4873beb7-5857-4685-be1f-d57550cc96cc" xsi:nil="true"/>
-    <TemplateStatus xmlns="4873beb7-5857-4685-be1f-d57550cc96cc">Complete</TemplateStatus>
-    <InternalTagsTaxHTField0 xmlns="4873beb7-5857-4685-be1f-d57550cc96cc">
-      <Terms xmlns="http://schemas.microsoft.com/office/infopath/2007/PartnerControls"/>
-    </InternalTagsTaxHTField0>
-    <CSXHash xmlns="4873beb7-5857-4685-be1f-d57550cc96cc" xsi:nil="true"/>
-    <Downloads xmlns="4873beb7-5857-4685-be1f-d57550cc96cc">0</Downloads>
-    <VoteCount xmlns="4873beb7-5857-4685-be1f-d57550cc96cc" xsi:nil="true"/>
-    <OOCacheId xmlns="4873beb7-5857-4685-be1f-d57550cc96cc" xsi:nil="true"/>
-    <IsDeleted xmlns="4873beb7-5857-4685-be1f-d57550cc96cc">false</IsDeleted>
-    <AssetExpire xmlns="4873beb7-5857-4685-be1f-d57550cc96cc">2029-01-01T08:00:00+00:00</AssetExpire>
-    <DSATActionTaken xmlns="4873beb7-5857-4685-be1f-d57550cc96cc" xsi:nil="true"/>
-    <CSXSubmissionMarket xmlns="4873beb7-5857-4685-be1f-d57550cc96cc" xsi:nil="true"/>
-    <TPExecutable xmlns="4873beb7-5857-4685-be1f-d57550cc96cc" xsi:nil="true"/>
-    <SubmitterId xmlns="4873beb7-5857-4685-be1f-d57550cc96cc" xsi:nil="true"/>
-    <EditorialTags xmlns="4873beb7-5857-4685-be1f-d57550cc96cc" xsi:nil="true"/>
-    <ApprovalLog xmlns="4873beb7-5857-4685-be1f-d57550cc96cc" xsi:nil="true"/>
-    <AssetType xmlns="4873beb7-5857-4685-be1f-d57550cc96cc">TP</AssetType>
-    <BugNumber xmlns="4873beb7-5857-4685-be1f-d57550cc96cc" xsi:nil="true"/>
-    <CSXSubmissionDate xmlns="4873beb7-5857-4685-be1f-d57550cc96cc" xsi:nil="true"/>
-    <CSXUpdate xmlns="4873beb7-5857-4685-be1f-d57550cc96cc">false</CSXUpdate>
-    <Milestone xmlns="4873beb7-5857-4685-be1f-d57550cc96cc" xsi:nil="true"/>
-    <RecommendationsModifier xmlns="4873beb7-5857-4685-be1f-d57550cc96cc" xsi:nil="true"/>
-    <OriginAsset xmlns="4873beb7-5857-4685-be1f-d57550cc96cc" xsi:nil="true"/>
-    <TPComponent xmlns="4873beb7-5857-4685-be1f-d57550cc96cc" xsi:nil="true"/>
-    <AssetId xmlns="4873beb7-5857-4685-be1f-d57550cc96cc">TP102901017</AssetId>
-    <IntlLocPriority xmlns="4873beb7-5857-4685-be1f-d57550cc96cc" xsi:nil="true"/>
-    <PolicheckWords xmlns="4873beb7-5857-4685-be1f-d57550cc96cc" xsi:nil="true"/>
-    <TPLaunchHelpLink xmlns="4873beb7-5857-4685-be1f-d57550cc96cc" xsi:nil="true"/>
-    <TPApplication xmlns="4873beb7-5857-4685-be1f-d57550cc96cc" xsi:nil="true"/>
-    <CrawlForDependencies xmlns="4873beb7-5857-4685-be1f-d57550cc96cc">false</CrawlForDependencies>
-    <HandoffToMSDN xmlns="4873beb7-5857-4685-be1f-d57550cc96cc" xsi:nil="true"/>
-    <PlannedPubDate xmlns="4873beb7-5857-4685-be1f-d57550cc96cc" xsi:nil="true"/>
-    <IntlLangReviewer xmlns="4873beb7-5857-4685-be1f-d57550cc96cc" xsi:nil="true"/>
-    <TrustLevel xmlns="4873beb7-5857-4685-be1f-d57550cc96cc">1 Microsoft Managed Content</TrustLevel>
-    <LocLastLocAttemptVersionLookup xmlns="4873beb7-5857-4685-be1f-d57550cc96cc">836753</LocLastLocAttemptVersionLookup>
-    <IsSearchable xmlns="4873beb7-5857-4685-be1f-d57550cc96cc">true</IsSearchable>
-    <TemplateTemplateType xmlns="4873beb7-5857-4685-be1f-d57550cc96cc">PowerPoint Design Template</TemplateTemplateType>
-    <CampaignTagsTaxHTField0 xmlns="4873beb7-5857-4685-be1f-d57550cc96cc">
-      <Terms xmlns="http://schemas.microsoft.com/office/infopath/2007/PartnerControls"/>
-    </CampaignTagsTaxHTField0>
-    <TPNamespace xmlns="4873beb7-5857-4685-be1f-d57550cc96cc" xsi:nil="true"/>
-    <TaxCatchAll xmlns="4873beb7-5857-4685-be1f-d57550cc96cc"/>
-    <Markets xmlns="4873beb7-5857-4685-be1f-d57550cc96cc"/>
-    <UAProjectedTotalWords xmlns="4873beb7-5857-4685-be1f-d57550cc96cc" xsi:nil="true"/>
-    <IntlLangReview xmlns="4873beb7-5857-4685-be1f-d57550cc96cc">false</IntlLangReview>
-    <OutputCachingOn xmlns="4873beb7-5857-4685-be1f-d57550cc96cc">false</OutputCachingOn>
-    <AverageRating xmlns="4873beb7-5857-4685-be1f-d57550cc96cc" xsi:nil="true"/>
-    <APAuthor xmlns="4873beb7-5857-4685-be1f-d57550cc96cc">
-      <UserInfo>
-        <DisplayName>REDMOND\v-anij</DisplayName>
-        <AccountId>2469</AccountId>
-        <AccountType/>
-      </UserInfo>
-    </APAuthor>
-    <LocManualTestRequired xmlns="4873beb7-5857-4685-be1f-d57550cc96cc">false</LocManualTestRequired>
-    <TPCommandLine xmlns="4873beb7-5857-4685-be1f-d57550cc96cc" xsi:nil="true"/>
-    <TPAppVersion xmlns="4873beb7-5857-4685-be1f-d57550cc96cc" xsi:nil="true"/>
-    <EditorialStatus xmlns="4873beb7-5857-4685-be1f-d57550cc96cc">Complete</EditorialStatus>
-    <LastModifiedDateTime xmlns="4873beb7-5857-4685-be1f-d57550cc96cc" xsi:nil="true"/>
-    <ScenarioTagsTaxHTField0 xmlns="4873beb7-5857-4685-be1f-d57550cc96cc">
-      <Terms xmlns="http://schemas.microsoft.com/office/infopath/2007/PartnerControls"/>
-    </ScenarioTagsTaxHTField0>
-    <OriginalRelease xmlns="4873beb7-5857-4685-be1f-d57550cc96cc">15</OriginalRelease>
-    <TPLaunchHelpLinkType xmlns="4873beb7-5857-4685-be1f-d57550cc96cc">Template</TPLaunchHelpLinkType>
-    <LocalizationTagsTaxHTField0 xmlns="4873beb7-5857-4685-be1f-d57550cc96cc">
-      <Terms xmlns="http://schemas.microsoft.com/office/infopath/2007/PartnerControls"/>
-    </LocalizationTagsTaxHTField0>
-    <LocMarketGroupTiers2 xmlns="4873beb7-5857-4685-be1f-d57550cc96cc" xsi:nil="true"/>
-  </documentManagement>
-</p:properties>
+<file path=customXml/itemProps2.xml><?xml version="1.0" encoding="utf-8"?>
+<ds:datastoreItem xmlns:ds="http://schemas.openxmlformats.org/officeDocument/2006/customXml" ds:itemID="{746CFF6F-D9AA-4BC0-911A-0A1356771912}">
+  <ds:schemaRefs>
+    <ds:schemaRef ds:uri="http://schemas.microsoft.com/sharepoint/v3/contenttype/forms"/>
+  </ds:schemaRefs>
+</ds:datastoreItem>
 </file>
 
-<file path=customXml/itemProps1.xml><?xml version="1.0" encoding="utf-8"?>
+<file path=customXml/itemProps3.xml><?xml version="1.0" encoding="utf-8"?>
 <ds:datastoreItem xmlns:ds="http://schemas.openxmlformats.org/officeDocument/2006/customXml" ds:itemID="{0B5C6E15-39DC-470B-9445-F754B9458020}">
   <ds:schemaRefs>
     <ds:schemaRef ds:uri="http://schemas.microsoft.com/office/2006/metadata/contentType"/>
@@ -17736,22 +18088,4 @@
     <ds:schemaRef ds:uri="http://schemas.microsoft.com/internal/obd"/>
   </ds:schemaRefs>
 </ds:datastoreItem>
-</file>
-
-<file path=customXml/itemProps2.xml><?xml version="1.0" encoding="utf-8"?>
-<ds:datastoreItem xmlns:ds="http://schemas.openxmlformats.org/officeDocument/2006/customXml" ds:itemID="{746CFF6F-D9AA-4BC0-911A-0A1356771912}">
-  <ds:schemaRefs>
-    <ds:schemaRef ds:uri="http://schemas.microsoft.com/sharepoint/v3/contenttype/forms"/>
-  </ds:schemaRefs>
-</ds:datastoreItem>
-</file>
-
-<file path=customXml/itemProps3.xml><?xml version="1.0" encoding="utf-8"?>
-<ds:datastoreItem xmlns:ds="http://schemas.openxmlformats.org/officeDocument/2006/customXml" ds:itemID="{04098515-0C12-46CF-BC7C-69B4A13CD5FA}">
-  <ds:schemaRefs>
-    <ds:schemaRef ds:uri="http://schemas.microsoft.com/office/2006/metadata/properties"/>
-    <ds:schemaRef ds:uri="http://schemas.microsoft.com/office/infopath/2007/PartnerControls"/>
-    <ds:schemaRef ds:uri="4873beb7-5857-4685-be1f-d57550cc96cc"/>
-  </ds:schemaRefs>
-</ds:datastoreItem>
 </file>